--- a/Project2/modellingClasses.pptx
+++ b/Project2/modellingClasses.pptx
@@ -266,7 +266,7 @@
           <a:p>
             <a:fld id="{B7093E0C-76A6-4CE3-807B-E3536833713B}" type="datetimeFigureOut">
               <a:rPr lang="pt-BR" smtClean="0"/>
-              <a:t>12/06/2020</a:t>
+              <a:t>14/06/2020</a:t>
             </a:fld>
             <a:endParaRPr lang="pt-BR"/>
           </a:p>
@@ -464,7 +464,7 @@
           <a:p>
             <a:fld id="{B7093E0C-76A6-4CE3-807B-E3536833713B}" type="datetimeFigureOut">
               <a:rPr lang="pt-BR" smtClean="0"/>
-              <a:t>12/06/2020</a:t>
+              <a:t>14/06/2020</a:t>
             </a:fld>
             <a:endParaRPr lang="pt-BR"/>
           </a:p>
@@ -672,7 +672,7 @@
           <a:p>
             <a:fld id="{B7093E0C-76A6-4CE3-807B-E3536833713B}" type="datetimeFigureOut">
               <a:rPr lang="pt-BR" smtClean="0"/>
-              <a:t>12/06/2020</a:t>
+              <a:t>14/06/2020</a:t>
             </a:fld>
             <a:endParaRPr lang="pt-BR"/>
           </a:p>
@@ -870,7 +870,7 @@
           <a:p>
             <a:fld id="{B7093E0C-76A6-4CE3-807B-E3536833713B}" type="datetimeFigureOut">
               <a:rPr lang="pt-BR" smtClean="0"/>
-              <a:t>12/06/2020</a:t>
+              <a:t>14/06/2020</a:t>
             </a:fld>
             <a:endParaRPr lang="pt-BR"/>
           </a:p>
@@ -1145,7 +1145,7 @@
           <a:p>
             <a:fld id="{B7093E0C-76A6-4CE3-807B-E3536833713B}" type="datetimeFigureOut">
               <a:rPr lang="pt-BR" smtClean="0"/>
-              <a:t>12/06/2020</a:t>
+              <a:t>14/06/2020</a:t>
             </a:fld>
             <a:endParaRPr lang="pt-BR"/>
           </a:p>
@@ -1410,7 +1410,7 @@
           <a:p>
             <a:fld id="{B7093E0C-76A6-4CE3-807B-E3536833713B}" type="datetimeFigureOut">
               <a:rPr lang="pt-BR" smtClean="0"/>
-              <a:t>12/06/2020</a:t>
+              <a:t>14/06/2020</a:t>
             </a:fld>
             <a:endParaRPr lang="pt-BR"/>
           </a:p>
@@ -1822,7 +1822,7 @@
           <a:p>
             <a:fld id="{B7093E0C-76A6-4CE3-807B-E3536833713B}" type="datetimeFigureOut">
               <a:rPr lang="pt-BR" smtClean="0"/>
-              <a:t>12/06/2020</a:t>
+              <a:t>14/06/2020</a:t>
             </a:fld>
             <a:endParaRPr lang="pt-BR"/>
           </a:p>
@@ -1963,7 +1963,7 @@
           <a:p>
             <a:fld id="{B7093E0C-76A6-4CE3-807B-E3536833713B}" type="datetimeFigureOut">
               <a:rPr lang="pt-BR" smtClean="0"/>
-              <a:t>12/06/2020</a:t>
+              <a:t>14/06/2020</a:t>
             </a:fld>
             <a:endParaRPr lang="pt-BR"/>
           </a:p>
@@ -2076,7 +2076,7 @@
           <a:p>
             <a:fld id="{B7093E0C-76A6-4CE3-807B-E3536833713B}" type="datetimeFigureOut">
               <a:rPr lang="pt-BR" smtClean="0"/>
-              <a:t>12/06/2020</a:t>
+              <a:t>14/06/2020</a:t>
             </a:fld>
             <a:endParaRPr lang="pt-BR"/>
           </a:p>
@@ -2387,7 +2387,7 @@
           <a:p>
             <a:fld id="{B7093E0C-76A6-4CE3-807B-E3536833713B}" type="datetimeFigureOut">
               <a:rPr lang="pt-BR" smtClean="0"/>
-              <a:t>12/06/2020</a:t>
+              <a:t>14/06/2020</a:t>
             </a:fld>
             <a:endParaRPr lang="pt-BR"/>
           </a:p>
@@ -2675,7 +2675,7 @@
           <a:p>
             <a:fld id="{B7093E0C-76A6-4CE3-807B-E3536833713B}" type="datetimeFigureOut">
               <a:rPr lang="pt-BR" smtClean="0"/>
-              <a:t>12/06/2020</a:t>
+              <a:t>14/06/2020</a:t>
             </a:fld>
             <a:endParaRPr lang="pt-BR"/>
           </a:p>
@@ -2916,7 +2916,7 @@
           <a:p>
             <a:fld id="{B7093E0C-76A6-4CE3-807B-E3536833713B}" type="datetimeFigureOut">
               <a:rPr lang="pt-BR" smtClean="0"/>
-              <a:t>12/06/2020</a:t>
+              <a:t>14/06/2020</a:t>
             </a:fld>
             <a:endParaRPr lang="pt-BR"/>
           </a:p>
@@ -4912,10 +4912,10 @@
       </p:sp>
       <p:pic>
         <p:nvPicPr>
-          <p:cNvPr id="4" name="Imagem 3">
-            <a:extLst>
-              <a:ext uri="{FF2B5EF4-FFF2-40B4-BE49-F238E27FC236}">
-                <a16:creationId xmlns:a16="http://schemas.microsoft.com/office/drawing/2014/main" id="{A526EB63-34B8-4237-B4E4-030265E66D40}"/>
+          <p:cNvPr id="6" name="Imagem 5">
+            <a:extLst>
+              <a:ext uri="{FF2B5EF4-FFF2-40B4-BE49-F238E27FC236}">
+                <a16:creationId xmlns:a16="http://schemas.microsoft.com/office/drawing/2014/main" id="{FCA5997A-94D4-4208-B921-41146FAE4F08}"/>
               </a:ext>
             </a:extLst>
           </p:cNvPr>
@@ -4932,8 +4932,8 @@
         </p:blipFill>
         <p:spPr>
           <a:xfrm>
-            <a:off x="815753" y="1828115"/>
-            <a:ext cx="6315075" cy="3267075"/>
+            <a:off x="1423981" y="1947865"/>
+            <a:ext cx="6229350" cy="3305175"/>
           </a:xfrm>
           <a:prstGeom prst="rect">
             <a:avLst/>
